--- a/slides/SFND_01072025_01_Intro.pptx
+++ b/slides/SFND_01072025_01_Intro.pptx
@@ -135,6 +135,35 @@
 </p:presentation>
 </file>
 
+<file path=ppt/changesInfos/changesInfo1.xml><?xml version="1.0" encoding="utf-8"?>
+<pc:chgInfo xmlns:a="http://schemas.openxmlformats.org/drawingml/2006/main" xmlns:r="http://schemas.openxmlformats.org/officeDocument/2006/relationships" xmlns:ac="http://schemas.microsoft.com/office/drawing/2013/main/command" xmlns:pc="http://schemas.microsoft.com/office/powerpoint/2013/main/command">
+  <pc:docChgLst>
+    <pc:chgData name="Amir Hossein Daraie" userId="978db542-c35b-49b1-a352-6f554636aa15" providerId="ADAL" clId="{C5021B06-7492-E04B-8CCD-B9BECDAAC724}"/>
+    <pc:docChg chg="modSld">
+      <pc:chgData name="Amir Hossein Daraie" userId="978db542-c35b-49b1-a352-6f554636aa15" providerId="ADAL" clId="{C5021B06-7492-E04B-8CCD-B9BECDAAC724}" dt="2025-01-07T22:33:23.324" v="12" actId="20577"/>
+      <pc:docMkLst>
+        <pc:docMk/>
+      </pc:docMkLst>
+      <pc:sldChg chg="modSp mod">
+        <pc:chgData name="Amir Hossein Daraie" userId="978db542-c35b-49b1-a352-6f554636aa15" providerId="ADAL" clId="{C5021B06-7492-E04B-8CCD-B9BECDAAC724}" dt="2025-01-07T22:33:23.324" v="12" actId="20577"/>
+        <pc:sldMkLst>
+          <pc:docMk/>
+          <pc:sldMk cId="49631455" sldId="265"/>
+        </pc:sldMkLst>
+        <pc:spChg chg="mod">
+          <ac:chgData name="Amir Hossein Daraie" userId="978db542-c35b-49b1-a352-6f554636aa15" providerId="ADAL" clId="{C5021B06-7492-E04B-8CCD-B9BECDAAC724}" dt="2025-01-07T22:33:23.324" v="12" actId="20577"/>
+          <ac:spMkLst>
+            <pc:docMk/>
+            <pc:sldMk cId="49631455" sldId="265"/>
+            <ac:spMk id="3" creationId="{2895D4CF-6494-52A3-F49B-E9F45273BD21}"/>
+          </ac:spMkLst>
+        </pc:spChg>
+      </pc:sldChg>
+    </pc:docChg>
+  </pc:docChgLst>
+</pc:chgInfo>
+</file>
+
 <file path=ppt/notesMasters/notesMaster1.xml><?xml version="1.0" encoding="utf-8"?>
 <p:notesMaster xmlns:a="http://schemas.openxmlformats.org/drawingml/2006/main" xmlns:r="http://schemas.openxmlformats.org/officeDocument/2006/relationships" xmlns:p="http://schemas.openxmlformats.org/presentationml/2006/main">
   <p:cSld>
@@ -217,7 +246,7 @@
           <a:p>
             <a:fld id="{3A5976E1-6E53-9441-A6C8-E73A1E7DD160}" type="datetimeFigureOut">
               <a:rPr lang="en-IR" smtClean="0"/>
-              <a:t>1/2/2024 R</a:t>
+              <a:t>1/7/2025 R</a:t>
             </a:fld>
             <a:endParaRPr lang="en-IR"/>
           </a:p>
@@ -738,7 +767,7 @@
           <a:p>
             <a:fld id="{E1B808D9-4ECE-AD48-BAFB-7388CF8FF23C}" type="datetimeFigureOut">
               <a:rPr lang="en-IR" smtClean="0"/>
-              <a:t>1/2/2024 R</a:t>
+              <a:t>1/7/2025 R</a:t>
             </a:fld>
             <a:endParaRPr lang="en-IR"/>
           </a:p>
@@ -938,7 +967,7 @@
           <a:p>
             <a:fld id="{E1B808D9-4ECE-AD48-BAFB-7388CF8FF23C}" type="datetimeFigureOut">
               <a:rPr lang="en-IR" smtClean="0"/>
-              <a:t>1/2/2024 R</a:t>
+              <a:t>1/7/2025 R</a:t>
             </a:fld>
             <a:endParaRPr lang="en-IR"/>
           </a:p>
@@ -1148,7 +1177,7 @@
           <a:p>
             <a:fld id="{E1B808D9-4ECE-AD48-BAFB-7388CF8FF23C}" type="datetimeFigureOut">
               <a:rPr lang="en-IR" smtClean="0"/>
-              <a:t>1/2/2024 R</a:t>
+              <a:t>1/7/2025 R</a:t>
             </a:fld>
             <a:endParaRPr lang="en-IR"/>
           </a:p>
@@ -1348,7 +1377,7 @@
           <a:p>
             <a:fld id="{E1B808D9-4ECE-AD48-BAFB-7388CF8FF23C}" type="datetimeFigureOut">
               <a:rPr lang="en-IR" smtClean="0"/>
-              <a:t>1/2/2024 R</a:t>
+              <a:t>1/7/2025 R</a:t>
             </a:fld>
             <a:endParaRPr lang="en-IR"/>
           </a:p>
@@ -1624,7 +1653,7 @@
           <a:p>
             <a:fld id="{E1B808D9-4ECE-AD48-BAFB-7388CF8FF23C}" type="datetimeFigureOut">
               <a:rPr lang="en-IR" smtClean="0"/>
-              <a:t>1/2/2024 R</a:t>
+              <a:t>1/7/2025 R</a:t>
             </a:fld>
             <a:endParaRPr lang="en-IR"/>
           </a:p>
@@ -1892,7 +1921,7 @@
           <a:p>
             <a:fld id="{E1B808D9-4ECE-AD48-BAFB-7388CF8FF23C}" type="datetimeFigureOut">
               <a:rPr lang="en-IR" smtClean="0"/>
-              <a:t>1/2/2024 R</a:t>
+              <a:t>1/7/2025 R</a:t>
             </a:fld>
             <a:endParaRPr lang="en-IR"/>
           </a:p>
@@ -2307,7 +2336,7 @@
           <a:p>
             <a:fld id="{E1B808D9-4ECE-AD48-BAFB-7388CF8FF23C}" type="datetimeFigureOut">
               <a:rPr lang="en-IR" smtClean="0"/>
-              <a:t>1/2/2024 R</a:t>
+              <a:t>1/7/2025 R</a:t>
             </a:fld>
             <a:endParaRPr lang="en-IR"/>
           </a:p>
@@ -2449,7 +2478,7 @@
           <a:p>
             <a:fld id="{E1B808D9-4ECE-AD48-BAFB-7388CF8FF23C}" type="datetimeFigureOut">
               <a:rPr lang="en-IR" smtClean="0"/>
-              <a:t>1/2/2024 R</a:t>
+              <a:t>1/7/2025 R</a:t>
             </a:fld>
             <a:endParaRPr lang="en-IR"/>
           </a:p>
@@ -2562,7 +2591,7 @@
           <a:p>
             <a:fld id="{E1B808D9-4ECE-AD48-BAFB-7388CF8FF23C}" type="datetimeFigureOut">
               <a:rPr lang="en-IR" smtClean="0"/>
-              <a:t>1/2/2024 R</a:t>
+              <a:t>1/7/2025 R</a:t>
             </a:fld>
             <a:endParaRPr lang="en-IR"/>
           </a:p>
@@ -2875,7 +2904,7 @@
           <a:p>
             <a:fld id="{E1B808D9-4ECE-AD48-BAFB-7388CF8FF23C}" type="datetimeFigureOut">
               <a:rPr lang="en-IR" smtClean="0"/>
-              <a:t>1/2/2024 R</a:t>
+              <a:t>1/7/2025 R</a:t>
             </a:fld>
             <a:endParaRPr lang="en-IR"/>
           </a:p>
@@ -3164,7 +3193,7 @@
           <a:p>
             <a:fld id="{E1B808D9-4ECE-AD48-BAFB-7388CF8FF23C}" type="datetimeFigureOut">
               <a:rPr lang="en-IR" smtClean="0"/>
-              <a:t>1/2/2024 R</a:t>
+              <a:t>1/7/2025 R</a:t>
             </a:fld>
             <a:endParaRPr lang="en-IR"/>
           </a:p>
@@ -3407,7 +3436,7 @@
           <a:p>
             <a:fld id="{E1B808D9-4ECE-AD48-BAFB-7388CF8FF23C}" type="datetimeFigureOut">
               <a:rPr lang="en-IR" smtClean="0"/>
-              <a:t>1/2/2024 R</a:t>
+              <a:t>1/7/2025 R</a:t>
             </a:fld>
             <a:endParaRPr lang="en-IR"/>
           </a:p>
@@ -4990,7 +5019,7 @@
             </a:r>
             <a:r>
               <a:rPr lang="en-IR" dirty="0"/>
-              <a:t> of Sunday (weekend).</a:t>
+              <a:t> of Monday (Weekday).</a:t>
             </a:r>
           </a:p>
           <a:p>
